--- a/Bloque II. SMA/II.1. Sistemas Multiagente.pptx
+++ b/Bloque II. SMA/II.1. Sistemas Multiagente.pptx
@@ -6169,7 +6169,7 @@
             <a:fld id="{B3E16CF3-8537-4774-A9FC-A2A5296655A0}" type="datetimeFigureOut">
               <a:rPr lang="es-ES" smtClean="0"/>
               <a:pPr/>
-              <a:t>21/06/2018</a:t>
+              <a:t>25/06/2018</a:t>
             </a:fld>
             <a:endParaRPr lang="es-ES"/>
           </a:p>
@@ -6962,7 +6962,7 @@
             <a:fld id="{7A847CFC-816F-41D0-AAC0-9BF4FEBC753E}" type="datetimeFigureOut">
               <a:rPr lang="es-ES" smtClean="0"/>
               <a:pPr/>
-              <a:t>21/06/2018</a:t>
+              <a:t>25/06/2018</a:t>
             </a:fld>
             <a:endParaRPr lang="es-ES"/>
           </a:p>
@@ -7129,7 +7129,7 @@
             <a:fld id="{7A847CFC-816F-41D0-AAC0-9BF4FEBC753E}" type="datetimeFigureOut">
               <a:rPr lang="es-ES" smtClean="0"/>
               <a:pPr/>
-              <a:t>21/06/2018</a:t>
+              <a:t>25/06/2018</a:t>
             </a:fld>
             <a:endParaRPr lang="es-ES"/>
           </a:p>
@@ -7306,7 +7306,7 @@
             <a:fld id="{7A847CFC-816F-41D0-AAC0-9BF4FEBC753E}" type="datetimeFigureOut">
               <a:rPr lang="es-ES" smtClean="0"/>
               <a:pPr/>
-              <a:t>21/06/2018</a:t>
+              <a:t>25/06/2018</a:t>
             </a:fld>
             <a:endParaRPr lang="es-ES"/>
           </a:p>
@@ -7473,7 +7473,7 @@
             <a:fld id="{7A847CFC-816F-41D0-AAC0-9BF4FEBC753E}" type="datetimeFigureOut">
               <a:rPr lang="es-ES" smtClean="0"/>
               <a:pPr/>
-              <a:t>21/06/2018</a:t>
+              <a:t>25/06/2018</a:t>
             </a:fld>
             <a:endParaRPr lang="es-ES"/>
           </a:p>
@@ -7716,7 +7716,7 @@
             <a:fld id="{7A847CFC-816F-41D0-AAC0-9BF4FEBC753E}" type="datetimeFigureOut">
               <a:rPr lang="es-ES" smtClean="0"/>
               <a:pPr/>
-              <a:t>21/06/2018</a:t>
+              <a:t>25/06/2018</a:t>
             </a:fld>
             <a:endParaRPr lang="es-ES"/>
           </a:p>
@@ -8001,7 +8001,7 @@
             <a:fld id="{7A847CFC-816F-41D0-AAC0-9BF4FEBC753E}" type="datetimeFigureOut">
               <a:rPr lang="es-ES" smtClean="0"/>
               <a:pPr/>
-              <a:t>21/06/2018</a:t>
+              <a:t>25/06/2018</a:t>
             </a:fld>
             <a:endParaRPr lang="es-ES"/>
           </a:p>
@@ -8420,7 +8420,7 @@
             <a:fld id="{7A847CFC-816F-41D0-AAC0-9BF4FEBC753E}" type="datetimeFigureOut">
               <a:rPr lang="es-ES" smtClean="0"/>
               <a:pPr/>
-              <a:t>21/06/2018</a:t>
+              <a:t>25/06/2018</a:t>
             </a:fld>
             <a:endParaRPr lang="es-ES"/>
           </a:p>
@@ -8535,7 +8535,7 @@
             <a:fld id="{7A847CFC-816F-41D0-AAC0-9BF4FEBC753E}" type="datetimeFigureOut">
               <a:rPr lang="es-ES" smtClean="0"/>
               <a:pPr/>
-              <a:t>21/06/2018</a:t>
+              <a:t>25/06/2018</a:t>
             </a:fld>
             <a:endParaRPr lang="es-ES"/>
           </a:p>
@@ -8627,7 +8627,7 @@
             <a:fld id="{7A847CFC-816F-41D0-AAC0-9BF4FEBC753E}" type="datetimeFigureOut">
               <a:rPr lang="es-ES" smtClean="0"/>
               <a:pPr/>
-              <a:t>21/06/2018</a:t>
+              <a:t>25/06/2018</a:t>
             </a:fld>
             <a:endParaRPr lang="es-ES"/>
           </a:p>
@@ -8901,7 +8901,7 @@
             <a:fld id="{7A847CFC-816F-41D0-AAC0-9BF4FEBC753E}" type="datetimeFigureOut">
               <a:rPr lang="es-ES" smtClean="0"/>
               <a:pPr/>
-              <a:t>21/06/2018</a:t>
+              <a:t>25/06/2018</a:t>
             </a:fld>
             <a:endParaRPr lang="es-ES"/>
           </a:p>
@@ -9151,7 +9151,7 @@
             <a:fld id="{7A847CFC-816F-41D0-AAC0-9BF4FEBC753E}" type="datetimeFigureOut">
               <a:rPr lang="es-ES" smtClean="0"/>
               <a:pPr/>
-              <a:t>21/06/2018</a:t>
+              <a:t>25/06/2018</a:t>
             </a:fld>
             <a:endParaRPr lang="es-ES"/>
           </a:p>
@@ -9361,7 +9361,7 @@
             <a:fld id="{7A847CFC-816F-41D0-AAC0-9BF4FEBC753E}" type="datetimeFigureOut">
               <a:rPr lang="es-ES" smtClean="0"/>
               <a:pPr/>
-              <a:t>21/06/2018</a:t>
+              <a:t>25/06/2018</a:t>
             </a:fld>
             <a:endParaRPr lang="es-ES"/>
           </a:p>
@@ -10157,7 +10157,7 @@
         </p:nvSpPr>
         <p:spPr>
           <a:xfrm>
-            <a:off x="1199456" y="1412777"/>
+            <a:off x="1703512" y="1412777"/>
             <a:ext cx="9937104" cy="4713388"/>
           </a:xfrm>
           <a:prstGeom prst="rect">
@@ -10399,8 +10399,8 @@
         </p:blipFill>
         <p:spPr bwMode="auto">
           <a:xfrm>
-            <a:off x="119336" y="2204864"/>
-            <a:ext cx="1219200" cy="1219201"/>
+            <a:off x="119336" y="1623864"/>
+            <a:ext cx="1800200" cy="1800201"/>
           </a:xfrm>
           <a:prstGeom prst="rect">
             <a:avLst/>
@@ -10440,8 +10440,8 @@
         </p:blipFill>
         <p:spPr bwMode="auto">
           <a:xfrm>
-            <a:off x="155575" y="3747201"/>
-            <a:ext cx="1182961" cy="1064665"/>
+            <a:off x="119336" y="3627233"/>
+            <a:ext cx="1619945" cy="1457951"/>
           </a:xfrm>
           <a:prstGeom prst="rect">
             <a:avLst/>
@@ -10479,8 +10479,8 @@
         </p:blipFill>
         <p:spPr bwMode="auto">
           <a:xfrm>
-            <a:off x="119336" y="5269937"/>
-            <a:ext cx="1228181" cy="997897"/>
+            <a:off x="47328" y="5157192"/>
+            <a:ext cx="1656184" cy="1345649"/>
           </a:xfrm>
           <a:prstGeom prst="rect">
             <a:avLst/>
@@ -10569,7 +10569,7 @@
         </p:nvSpPr>
         <p:spPr>
           <a:xfrm>
-            <a:off x="1199456" y="1600201"/>
+            <a:off x="1631504" y="1600201"/>
             <a:ext cx="10081120" cy="4525963"/>
           </a:xfrm>
           <a:prstGeom prst="rect">
@@ -11035,8 +11035,8 @@
         </p:blipFill>
         <p:spPr bwMode="auto">
           <a:xfrm>
-            <a:off x="191344" y="1844824"/>
-            <a:ext cx="1115889" cy="930743"/>
+            <a:off x="191344" y="1435700"/>
+            <a:ext cx="1440160" cy="1201212"/>
           </a:xfrm>
           <a:prstGeom prst="rect">
             <a:avLst/>
@@ -11076,8 +11076,8 @@
         </p:blipFill>
         <p:spPr bwMode="auto">
           <a:xfrm>
-            <a:off x="155575" y="2996952"/>
-            <a:ext cx="1182961" cy="1064665"/>
+            <a:off x="155575" y="2972071"/>
+            <a:ext cx="1547814" cy="1393033"/>
           </a:xfrm>
           <a:prstGeom prst="rect">
             <a:avLst/>
@@ -11118,7 +11118,7 @@
         <p:spPr bwMode="auto">
           <a:xfrm>
             <a:off x="155575" y="4437112"/>
-            <a:ext cx="1423151" cy="996206"/>
+            <a:ext cx="1748765" cy="1224136"/>
           </a:xfrm>
           <a:prstGeom prst="rect">
             <a:avLst/>
@@ -11342,6 +11342,16 @@
         </p:nvPicPr>
         <p:blipFill>
           <a:blip r:embed="rId2">
+            <a:clrChange>
+              <a:clrFrom>
+                <a:srgbClr val="FFFFFF"/>
+              </a:clrFrom>
+              <a:clrTo>
+                <a:srgbClr val="FFFFFF">
+                  <a:alpha val="0"/>
+                </a:srgbClr>
+              </a:clrTo>
+            </a:clrChange>
             <a:extLst>
               <a:ext uri="{28A0092B-C50C-407E-A947-70E740481C1C}">
                 <a14:useLocalDpi xmlns:a14="http://schemas.microsoft.com/office/drawing/2010/main" val="0"/>
@@ -11355,8 +11365,8 @@
         </p:blipFill>
         <p:spPr bwMode="auto">
           <a:xfrm>
-            <a:off x="9107760" y="3536856"/>
-            <a:ext cx="2892896" cy="1692344"/>
+            <a:off x="8616280" y="3356992"/>
+            <a:ext cx="3384376" cy="1979860"/>
           </a:xfrm>
           <a:prstGeom prst="rect">
             <a:avLst/>
@@ -11841,13 +11851,21 @@
             <p:ph idx="1"/>
           </p:nvPr>
         </p:nvSpPr>
-        <p:spPr/>
+        <p:spPr>
+          <a:xfrm>
+            <a:off x="479376" y="1600201"/>
+            <a:ext cx="11247040" cy="4525963"/>
+          </a:xfrm>
+        </p:spPr>
         <p:txBody>
           <a:bodyPr>
             <a:normAutofit/>
           </a:bodyPr>
           <a:lstStyle/>
           <a:p>
+            <a:pPr marL="0" indent="0">
+              <a:buNone/>
+            </a:pPr>
             <a:r>
               <a:rPr lang="es-ES" b="1" dirty="0" smtClean="0"/>
               <a:t>Cooperación</a:t>
@@ -11858,28 +11876,40 @@
             </a:r>
           </a:p>
           <a:p>
-            <a:pPr lvl="1"/>
+            <a:pPr marL="971550" lvl="1" indent="-514350">
+              <a:buFont typeface="+mj-lt"/>
+              <a:buAutoNum type="arabicPeriod"/>
+            </a:pPr>
             <a:r>
               <a:rPr lang="es-ES" dirty="0" smtClean="0"/>
               <a:t>Se recibe un problema en cierto nivel de abstracción.</a:t>
             </a:r>
           </a:p>
           <a:p>
-            <a:pPr lvl="1"/>
+            <a:pPr marL="971550" lvl="1" indent="-514350">
+              <a:buFont typeface="+mj-lt"/>
+              <a:buAutoNum type="arabicPeriod"/>
+            </a:pPr>
             <a:r>
               <a:rPr lang="es-ES" dirty="0" smtClean="0"/>
               <a:t>El agente resuelve localmente aquello que es posible.</a:t>
             </a:r>
           </a:p>
           <a:p>
-            <a:pPr lvl="1"/>
+            <a:pPr marL="971550" lvl="1" indent="-514350">
+              <a:buFont typeface="+mj-lt"/>
+              <a:buAutoNum type="arabicPeriod"/>
+            </a:pPr>
             <a:r>
               <a:rPr lang="es-ES" dirty="0" smtClean="0"/>
               <a:t>Recurre a otros agentes del mismo nivel para el resto de las tareas.</a:t>
             </a:r>
           </a:p>
           <a:p>
-            <a:pPr lvl="1"/>
+            <a:pPr marL="971550" lvl="1" indent="-514350">
+              <a:buFont typeface="+mj-lt"/>
+              <a:buAutoNum type="arabicPeriod"/>
+            </a:pPr>
             <a:r>
               <a:rPr lang="es-ES" dirty="0" smtClean="0"/>
               <a:t>Recurre a otros niveles de abstracción para el resto </a:t>
@@ -12027,6 +12057,9 @@
           </a:bodyPr>
           <a:lstStyle/>
           <a:p>
+            <a:pPr marL="0" indent="0">
+              <a:buNone/>
+            </a:pPr>
             <a:r>
               <a:rPr lang="es-ES" dirty="0" smtClean="0"/>
               <a:t>Los </a:t>
@@ -12037,8 +12070,29 @@
             </a:r>
             <a:r>
               <a:rPr lang="es-ES" dirty="0" smtClean="0"/>
-              <a:t> surgen cuando al resolver un problema hay una o varias de las siguientes circunstancias</a:t>
-            </a:r>
+              <a:t> surgen </a:t>
+            </a:r>
+            <a:r>
+              <a:rPr lang="es-ES" dirty="0" smtClean="0"/>
+              <a:t>cuando, </a:t>
+            </a:r>
+            <a:r>
+              <a:rPr lang="es-ES" dirty="0" smtClean="0"/>
+              <a:t>al resolver un </a:t>
+            </a:r>
+            <a:r>
+              <a:rPr lang="es-ES" dirty="0" smtClean="0"/>
+              <a:t>problema, </a:t>
+            </a:r>
+            <a:r>
+              <a:rPr lang="es-ES" dirty="0" smtClean="0"/>
+              <a:t>hay una o varias de las siguientes </a:t>
+            </a:r>
+            <a:r>
+              <a:rPr lang="es-ES" dirty="0" smtClean="0"/>
+              <a:t>circunstancias:</a:t>
+            </a:r>
+            <a:endParaRPr lang="es-ES" dirty="0" smtClean="0"/>
           </a:p>
           <a:p>
             <a:pPr lvl="1"/>
@@ -12071,8 +12125,13 @@
           <a:p>
             <a:r>
               <a:rPr lang="es-ES" dirty="0" smtClean="0"/>
-              <a:t>Aspecto positivo</a:t>
-            </a:r>
+              <a:t>Aspecto </a:t>
+            </a:r>
+            <a:r>
+              <a:rPr lang="es-ES" dirty="0" smtClean="0"/>
+              <a:t>positivo:</a:t>
+            </a:r>
+            <a:endParaRPr lang="es-ES" dirty="0" smtClean="0"/>
           </a:p>
           <a:p>
             <a:pPr lvl="1"/>
@@ -12091,8 +12150,13 @@
           <a:p>
             <a:r>
               <a:rPr lang="es-ES" dirty="0" smtClean="0"/>
-              <a:t>Se resuelven o evitan mediante mecanismos de</a:t>
-            </a:r>
+              <a:t>Se resuelven o evitan mediante mecanismos </a:t>
+            </a:r>
+            <a:r>
+              <a:rPr lang="es-ES" dirty="0" smtClean="0"/>
+              <a:t>de:</a:t>
+            </a:r>
+            <a:endParaRPr lang="es-ES" dirty="0" smtClean="0"/>
           </a:p>
           <a:p>
             <a:pPr lvl="1"/>
@@ -12240,6 +12304,9 @@
           </a:bodyPr>
           <a:lstStyle/>
           <a:p>
+            <a:pPr marL="0" indent="0">
+              <a:buNone/>
+            </a:pPr>
             <a:r>
               <a:rPr lang="es-ES" dirty="0" smtClean="0"/>
               <a:t>La </a:t>
@@ -12455,6 +12522,9 @@
           </a:bodyPr>
           <a:lstStyle/>
           <a:p>
+            <a:pPr marL="0" indent="0">
+              <a:buNone/>
+            </a:pPr>
             <a:r>
               <a:rPr lang="es-ES" dirty="0" smtClean="0"/>
               <a:t>Los </a:t>
@@ -12542,8 +12612,8 @@
         </p:blipFill>
         <p:spPr bwMode="auto">
           <a:xfrm>
-            <a:off x="8910364" y="4579192"/>
-            <a:ext cx="3162300" cy="2162176"/>
+            <a:off x="8472264" y="4279648"/>
+            <a:ext cx="3600400" cy="2461720"/>
           </a:xfrm>
           <a:prstGeom prst="rect">
             <a:avLst/>
@@ -13369,15 +13439,13 @@
           <a:p>
             <a:r>
               <a:rPr lang="es-ES" sz="2800" dirty="0" smtClean="0"/>
-              <a:t>Modelo de representación del conocimiento común.</a:t>
-            </a:r>
-          </a:p>
-          <a:p>
-            <a:pPr lvl="2"/>
-            <a:r>
-              <a:rPr lang="es-ES" sz="2000" dirty="0" smtClean="0"/>
-              <a:t>incluye lenguaje de representación de conocimiento común (lenguaje de representación de conocimiento)</a:t>
-            </a:r>
+              <a:t>Modelo de representación del conocimiento común</a:t>
+            </a:r>
+            <a:r>
+              <a:rPr lang="es-ES" sz="2800" dirty="0" smtClean="0"/>
+              <a:t>.</a:t>
+            </a:r>
+            <a:endParaRPr lang="es-ES" sz="2000" dirty="0" smtClean="0"/>
           </a:p>
           <a:p>
             <a:r>
@@ -13485,7 +13553,7 @@
           </p:cNvPicPr>
           <p:nvPr/>
         </p:nvPicPr>
-        <p:blipFill>
+        <p:blipFill rotWithShape="1">
           <a:blip r:embed="rId2" cstate="print">
             <a:extLst>
               <a:ext uri="{28A0092B-C50C-407E-A947-70E740481C1C}">
@@ -13493,15 +13561,13 @@
               </a:ext>
             </a:extLst>
           </a:blip>
-          <a:srcRect/>
-          <a:stretch>
-            <a:fillRect/>
-          </a:stretch>
+          <a:srcRect l="11291" r="11291"/>
+          <a:stretch/>
         </p:blipFill>
         <p:spPr bwMode="auto">
           <a:xfrm>
-            <a:off x="7752184" y="2996952"/>
-            <a:ext cx="4464496" cy="3675670"/>
+            <a:off x="8256239" y="2633650"/>
+            <a:ext cx="3930369" cy="4179726"/>
           </a:xfrm>
           <a:prstGeom prst="rect">
             <a:avLst/>
@@ -13588,7 +13654,7 @@
         </p:nvSpPr>
         <p:spPr>
           <a:xfrm>
-            <a:off x="609600" y="1555667"/>
+            <a:off x="551384" y="1556792"/>
             <a:ext cx="7883871" cy="5041685"/>
           </a:xfrm>
         </p:spPr>
@@ -13681,9 +13747,6 @@
               </a:rPr>
               <a:t>:</a:t>
             </a:r>
-            <a:endParaRPr lang="es-ES" altLang="es-ES" sz="2800" dirty="0">
-              <a:latin typeface="Garamond" panose="02020404030301010803" pitchFamily="18" charset="0"/>
-            </a:endParaRPr>
           </a:p>
           <a:p>
             <a:pPr lvl="1">
@@ -13746,7 +13809,7 @@
         </p:blipFill>
         <p:spPr bwMode="auto">
           <a:xfrm>
-            <a:off x="9264352" y="255491"/>
+            <a:off x="9434656" y="255491"/>
             <a:ext cx="1780745" cy="1905398"/>
           </a:xfrm>
           <a:prstGeom prst="rect">
@@ -13879,8 +13942,8 @@
         </p:blipFill>
         <p:spPr bwMode="auto">
           <a:xfrm rot="529221">
-            <a:off x="8214010" y="1400079"/>
-            <a:ext cx="1206388" cy="2359868"/>
+            <a:off x="8384314" y="1400079"/>
+            <a:ext cx="1206388" cy="2359869"/>
           </a:xfrm>
           <a:prstGeom prst="rect">
             <a:avLst/>
